--- a/Java Урок 14 ООП. Наслідування і абстракні класи.pptx
+++ b/Java Урок 14 ООП. Наслідування і абстракні класи.pptx
@@ -280,7 +280,7 @@
           <a:p>
             <a:fld id="{CB2C6B32-2873-4D23-8A5E-3DD1409B5887}" type="datetimeFigureOut">
               <a:rPr lang="uk-UA" smtClean="0"/>
-              <a:t>24.12.2023</a:t>
+              <a:t>24.01.2024</a:t>
             </a:fld>
             <a:endParaRPr lang="uk-UA"/>
           </a:p>
@@ -480,7 +480,7 @@
           <a:p>
             <a:fld id="{CB2C6B32-2873-4D23-8A5E-3DD1409B5887}" type="datetimeFigureOut">
               <a:rPr lang="uk-UA" smtClean="0"/>
-              <a:t>24.12.2023</a:t>
+              <a:t>24.01.2024</a:t>
             </a:fld>
             <a:endParaRPr lang="uk-UA"/>
           </a:p>
@@ -690,7 +690,7 @@
           <a:p>
             <a:fld id="{CB2C6B32-2873-4D23-8A5E-3DD1409B5887}" type="datetimeFigureOut">
               <a:rPr lang="uk-UA" smtClean="0"/>
-              <a:t>24.12.2023</a:t>
+              <a:t>24.01.2024</a:t>
             </a:fld>
             <a:endParaRPr lang="uk-UA"/>
           </a:p>
@@ -1183,7 +1183,7 @@
           <a:p>
             <a:fld id="{CB2C6B32-2873-4D23-8A5E-3DD1409B5887}" type="datetimeFigureOut">
               <a:rPr lang="uk-UA" smtClean="0"/>
-              <a:t>24.12.2023</a:t>
+              <a:t>24.01.2024</a:t>
             </a:fld>
             <a:endParaRPr lang="uk-UA"/>
           </a:p>
@@ -1459,7 +1459,7 @@
           <a:p>
             <a:fld id="{CB2C6B32-2873-4D23-8A5E-3DD1409B5887}" type="datetimeFigureOut">
               <a:rPr lang="uk-UA" smtClean="0"/>
-              <a:t>24.12.2023</a:t>
+              <a:t>24.01.2024</a:t>
             </a:fld>
             <a:endParaRPr lang="uk-UA"/>
           </a:p>
@@ -1727,7 +1727,7 @@
           <a:p>
             <a:fld id="{CB2C6B32-2873-4D23-8A5E-3DD1409B5887}" type="datetimeFigureOut">
               <a:rPr lang="uk-UA" smtClean="0"/>
-              <a:t>24.12.2023</a:t>
+              <a:t>24.01.2024</a:t>
             </a:fld>
             <a:endParaRPr lang="uk-UA"/>
           </a:p>
@@ -2142,7 +2142,7 @@
           <a:p>
             <a:fld id="{CB2C6B32-2873-4D23-8A5E-3DD1409B5887}" type="datetimeFigureOut">
               <a:rPr lang="uk-UA" smtClean="0"/>
-              <a:t>24.12.2023</a:t>
+              <a:t>24.01.2024</a:t>
             </a:fld>
             <a:endParaRPr lang="uk-UA"/>
           </a:p>
@@ -2284,7 +2284,7 @@
           <a:p>
             <a:fld id="{CB2C6B32-2873-4D23-8A5E-3DD1409B5887}" type="datetimeFigureOut">
               <a:rPr lang="uk-UA" smtClean="0"/>
-              <a:t>24.12.2023</a:t>
+              <a:t>24.01.2024</a:t>
             </a:fld>
             <a:endParaRPr lang="uk-UA"/>
           </a:p>
@@ -2397,7 +2397,7 @@
           <a:p>
             <a:fld id="{CB2C6B32-2873-4D23-8A5E-3DD1409B5887}" type="datetimeFigureOut">
               <a:rPr lang="uk-UA" smtClean="0"/>
-              <a:t>24.12.2023</a:t>
+              <a:t>24.01.2024</a:t>
             </a:fld>
             <a:endParaRPr lang="uk-UA"/>
           </a:p>
@@ -2710,7 +2710,7 @@
           <a:p>
             <a:fld id="{CB2C6B32-2873-4D23-8A5E-3DD1409B5887}" type="datetimeFigureOut">
               <a:rPr lang="uk-UA" smtClean="0"/>
-              <a:t>24.12.2023</a:t>
+              <a:t>24.01.2024</a:t>
             </a:fld>
             <a:endParaRPr lang="uk-UA"/>
           </a:p>
@@ -2999,7 +2999,7 @@
           <a:p>
             <a:fld id="{CB2C6B32-2873-4D23-8A5E-3DD1409B5887}" type="datetimeFigureOut">
               <a:rPr lang="uk-UA" smtClean="0"/>
-              <a:t>24.12.2023</a:t>
+              <a:t>24.01.2024</a:t>
             </a:fld>
             <a:endParaRPr lang="uk-UA"/>
           </a:p>
@@ -3242,7 +3242,7 @@
           <a:p>
             <a:fld id="{CB2C6B32-2873-4D23-8A5E-3DD1409B5887}" type="datetimeFigureOut">
               <a:rPr lang="uk-UA" smtClean="0"/>
-              <a:t>24.12.2023</a:t>
+              <a:t>24.01.2024</a:t>
             </a:fld>
             <a:endParaRPr lang="uk-UA"/>
           </a:p>
@@ -3874,7 +3874,7 @@
           <a:graphicData uri="http://schemas.openxmlformats.org/presentationml/2006/ole">
             <mc:AlternateContent xmlns:mc="http://schemas.openxmlformats.org/markup-compatibility/2006">
               <mc:Choice xmlns:v="urn:schemas-microsoft-com:vml" Requires="v">
-                <p:oleObj spid="_x0000_s7266" name="Visio" r:id="rId3" imgW="5857965" imgH="1657548" progId="Visio.Drawing.11">
+                <p:oleObj spid="_x0000_s7274" name="Visio" r:id="rId3" imgW="5857965" imgH="1657548" progId="Visio.Drawing.11">
                   <p:embed/>
                 </p:oleObj>
               </mc:Choice>
@@ -3951,7 +3951,7 @@
           <a:graphicData uri="http://schemas.openxmlformats.org/presentationml/2006/ole">
             <mc:AlternateContent xmlns:mc="http://schemas.openxmlformats.org/markup-compatibility/2006">
               <mc:Choice xmlns:v="urn:schemas-microsoft-com:vml" Requires="v">
-                <p:oleObj spid="_x0000_s7267" name="Visio" r:id="rId5" imgW="5515212" imgH="1152673" progId="Visio.Drawing.11">
+                <p:oleObj spid="_x0000_s7275" name="Visio" r:id="rId5" imgW="5515212" imgH="1152673" progId="Visio.Drawing.11">
                   <p:embed/>
                 </p:oleObj>
               </mc:Choice>
@@ -4028,7 +4028,7 @@
           <a:graphicData uri="http://schemas.openxmlformats.org/presentationml/2006/ole">
             <mc:AlternateContent xmlns:mc="http://schemas.openxmlformats.org/markup-compatibility/2006">
               <mc:Choice xmlns:v="urn:schemas-microsoft-com:vml" Requires="v">
-                <p:oleObj spid="_x0000_s7268" name="Visio" r:id="rId7" imgW="3549722" imgH="1059759" progId="Visio.Drawing.11">
+                <p:oleObj spid="_x0000_s7276" name="Visio" r:id="rId7" imgW="3549722" imgH="1059759" progId="Visio.Drawing.11">
                   <p:embed/>
                 </p:oleObj>
               </mc:Choice>
@@ -4111,7 +4111,7 @@
           <a:graphicData uri="http://schemas.openxmlformats.org/presentationml/2006/ole">
             <mc:AlternateContent xmlns:mc="http://schemas.openxmlformats.org/markup-compatibility/2006">
               <mc:Choice xmlns:v="urn:schemas-microsoft-com:vml" Requires="v">
-                <p:oleObj spid="_x0000_s7269" name="Visio" r:id="rId9" imgW="3019513" imgH="447792" progId="Visio.Drawing.11">
+                <p:oleObj spid="_x0000_s7277" name="Visio" r:id="rId9" imgW="3019513" imgH="447792" progId="Visio.Drawing.11">
                   <p:embed/>
                 </p:oleObj>
               </mc:Choice>
@@ -4599,7 +4599,7 @@
           <a:graphicData uri="http://schemas.openxmlformats.org/presentationml/2006/ole">
             <mc:AlternateContent xmlns:mc="http://schemas.openxmlformats.org/markup-compatibility/2006">
               <mc:Choice xmlns:v="urn:schemas-microsoft-com:vml" Requires="v">
-                <p:oleObj spid="_x0000_s8242" name="Visio" r:id="rId3" imgW="2376020" imgH="553094" progId="Visio.Drawing.11">
+                <p:oleObj spid="_x0000_s8246" name="Visio" r:id="rId3" imgW="2376020" imgH="553094" progId="Visio.Drawing.11">
                   <p:embed/>
                 </p:oleObj>
               </mc:Choice>
@@ -4682,7 +4682,7 @@
           <a:graphicData uri="http://schemas.openxmlformats.org/presentationml/2006/ole">
             <mc:AlternateContent xmlns:mc="http://schemas.openxmlformats.org/markup-compatibility/2006">
               <mc:Choice xmlns:v="urn:schemas-microsoft-com:vml" Requires="v">
-                <p:oleObj spid="_x0000_s8243" name="Visio" r:id="rId5" imgW="2573886" imgH="1560486" progId="Visio.Drawing.11">
+                <p:oleObj spid="_x0000_s8247" name="Visio" r:id="rId5" imgW="2573886" imgH="1560486" progId="Visio.Drawing.11">
                   <p:embed/>
                 </p:oleObj>
               </mc:Choice>
@@ -9863,7 +9863,7 @@
         <p:spPr>
           <a:xfrm>
             <a:off x="97277" y="713021"/>
-            <a:ext cx="13039926" cy="1200329"/>
+            <a:ext cx="11837057" cy="1200329"/>
           </a:xfrm>
           <a:prstGeom prst="rect">
             <a:avLst/>
@@ -12409,7 +12409,7 @@
           <a:graphicData uri="http://schemas.openxmlformats.org/presentationml/2006/ole">
             <mc:AlternateContent xmlns:mc="http://schemas.openxmlformats.org/markup-compatibility/2006">
               <mc:Choice xmlns:v="urn:schemas-microsoft-com:vml" Requires="v">
-                <p:oleObj spid="_x0000_s9266" name="Visio" r:id="rId3" imgW="5103772" imgH="2902056" progId="Visio.Drawing.11">
+                <p:oleObj spid="_x0000_s9270" name="Visio" r:id="rId3" imgW="5103772" imgH="2902056" progId="Visio.Drawing.11">
                   <p:embed/>
                 </p:oleObj>
               </mc:Choice>
@@ -12492,7 +12492,7 @@
           <a:graphicData uri="http://schemas.openxmlformats.org/presentationml/2006/ole">
             <mc:AlternateContent xmlns:mc="http://schemas.openxmlformats.org/markup-compatibility/2006">
               <mc:Choice xmlns:v="urn:schemas-microsoft-com:vml" Requires="v">
-                <p:oleObj spid="_x0000_s9267" name="Visio" r:id="rId5" imgW="3381819" imgH="1730814" progId="Visio.Drawing.11">
+                <p:oleObj spid="_x0000_s9271" name="Visio" r:id="rId5" imgW="3381819" imgH="1730814" progId="Visio.Drawing.11">
                   <p:embed/>
                 </p:oleObj>
               </mc:Choice>
@@ -12771,7 +12771,7 @@
           <a:graphicData uri="http://schemas.openxmlformats.org/presentationml/2006/ole">
             <mc:AlternateContent xmlns:mc="http://schemas.openxmlformats.org/markup-compatibility/2006">
               <mc:Choice xmlns:v="urn:schemas-microsoft-com:vml" Requires="v">
-                <p:oleObj spid="_x0000_s10266" name="Visio" r:id="rId3" imgW="2795238" imgH="556873" progId="Visio.Drawing.11">
+                <p:oleObj spid="_x0000_s10268" name="Visio" r:id="rId3" imgW="2795238" imgH="556873" progId="Visio.Drawing.11">
                   <p:embed/>
                 </p:oleObj>
               </mc:Choice>
@@ -13405,7 +13405,7 @@
           <a:graphicData uri="http://schemas.openxmlformats.org/presentationml/2006/ole">
             <mc:AlternateContent xmlns:mc="http://schemas.openxmlformats.org/markup-compatibility/2006">
               <mc:Choice xmlns:v="urn:schemas-microsoft-com:vml" Requires="v">
-                <p:oleObj spid="_x0000_s1050" name="Visio" r:id="rId3" imgW="3781655" imgH="2676602" progId="Visio.Drawing.11">
+                <p:oleObj spid="_x0000_s1052" name="Visio" r:id="rId3" imgW="3781655" imgH="2676602" progId="Visio.Drawing.11">
                   <p:embed/>
                 </p:oleObj>
               </mc:Choice>
@@ -16292,7 +16292,7 @@
           <a:graphicData uri="http://schemas.openxmlformats.org/presentationml/2006/ole">
             <mc:AlternateContent xmlns:mc="http://schemas.openxmlformats.org/markup-compatibility/2006">
               <mc:Choice xmlns:v="urn:schemas-microsoft-com:vml" Requires="v">
-                <p:oleObj spid="_x0000_s2146" name="Visio" r:id="rId3" imgW="3106749" imgH="2504174" progId="Visio.Drawing.11">
+                <p:oleObj spid="_x0000_s2154" name="Visio" r:id="rId3" imgW="3106749" imgH="2504174" progId="Visio.Drawing.11">
                   <p:embed/>
                 </p:oleObj>
               </mc:Choice>
@@ -16375,7 +16375,7 @@
           <a:graphicData uri="http://schemas.openxmlformats.org/presentationml/2006/ole">
             <mc:AlternateContent xmlns:mc="http://schemas.openxmlformats.org/markup-compatibility/2006">
               <mc:Choice xmlns:v="urn:schemas-microsoft-com:vml" Requires="v">
-                <p:oleObj spid="_x0000_s2147" name="Visio" r:id="rId5" imgW="3465771" imgH="1900602" progId="Visio.Drawing.11">
+                <p:oleObj spid="_x0000_s2155" name="Visio" r:id="rId5" imgW="3465771" imgH="1900602" progId="Visio.Drawing.11">
                   <p:embed/>
                 </p:oleObj>
               </mc:Choice>
@@ -16458,7 +16458,7 @@
           <a:graphicData uri="http://schemas.openxmlformats.org/presentationml/2006/ole">
             <mc:AlternateContent xmlns:mc="http://schemas.openxmlformats.org/markup-compatibility/2006">
               <mc:Choice xmlns:v="urn:schemas-microsoft-com:vml" Requires="v">
-                <p:oleObj spid="_x0000_s2148" name="Visio" r:id="rId7" imgW="3633404" imgH="2755482" progId="Visio.Drawing.11">
+                <p:oleObj spid="_x0000_s2156" name="Visio" r:id="rId7" imgW="3633404" imgH="2755482" progId="Visio.Drawing.11">
                   <p:embed/>
                 </p:oleObj>
               </mc:Choice>
@@ -16541,7 +16541,7 @@
           <a:graphicData uri="http://schemas.openxmlformats.org/presentationml/2006/ole">
             <mc:AlternateContent xmlns:mc="http://schemas.openxmlformats.org/markup-compatibility/2006">
               <mc:Choice xmlns:v="urn:schemas-microsoft-com:vml" Requires="v">
-                <p:oleObj spid="_x0000_s2149" name="Visio" r:id="rId9" imgW="1196378" imgH="596553" progId="Visio.Drawing.11">
+                <p:oleObj spid="_x0000_s2157" name="Visio" r:id="rId9" imgW="1196378" imgH="596553" progId="Visio.Drawing.11">
                   <p:embed/>
                 </p:oleObj>
               </mc:Choice>
@@ -16703,7 +16703,7 @@
           <a:graphicData uri="http://schemas.openxmlformats.org/presentationml/2006/ole">
             <mc:AlternateContent xmlns:mc="http://schemas.openxmlformats.org/markup-compatibility/2006">
               <mc:Choice xmlns:v="urn:schemas-microsoft-com:vml" Requires="v">
-                <p:oleObj spid="_x0000_s3122" name="Visio" r:id="rId3" imgW="4166807" imgH="2240179" progId="Visio.Drawing.11">
+                <p:oleObj spid="_x0000_s3126" name="Visio" r:id="rId3" imgW="4166807" imgH="2240179" progId="Visio.Drawing.11">
                   <p:embed/>
                 </p:oleObj>
               </mc:Choice>
@@ -16786,7 +16786,7 @@
           <a:graphicData uri="http://schemas.openxmlformats.org/presentationml/2006/ole">
             <mc:AlternateContent xmlns:mc="http://schemas.openxmlformats.org/markup-compatibility/2006">
               <mc:Choice xmlns:v="urn:schemas-microsoft-com:vml" Requires="v">
-                <p:oleObj spid="_x0000_s3123" name="Visio" r:id="rId5" imgW="5088925" imgH="1565345" progId="Visio.Drawing.11">
+                <p:oleObj spid="_x0000_s3127" name="Visio" r:id="rId5" imgW="5088925" imgH="1565345" progId="Visio.Drawing.11">
                   <p:embed/>
                 </p:oleObj>
               </mc:Choice>
@@ -16999,7 +16999,7 @@
           <a:graphicData uri="http://schemas.openxmlformats.org/presentationml/2006/ole">
             <mc:AlternateContent xmlns:mc="http://schemas.openxmlformats.org/markup-compatibility/2006">
               <mc:Choice xmlns:v="urn:schemas-microsoft-com:vml" Requires="v">
-                <p:oleObj spid="_x0000_s4146" name="Visio" r:id="rId3" imgW="7191503" imgH="1657548" progId="Visio.Drawing.11">
+                <p:oleObj spid="_x0000_s4150" name="Visio" r:id="rId3" imgW="7191503" imgH="1657548" progId="Visio.Drawing.11">
                   <p:embed/>
                 </p:oleObj>
               </mc:Choice>
@@ -17076,7 +17076,7 @@
           <a:graphicData uri="http://schemas.openxmlformats.org/presentationml/2006/ole">
             <mc:AlternateContent xmlns:mc="http://schemas.openxmlformats.org/markup-compatibility/2006">
               <mc:Choice xmlns:v="urn:schemas-microsoft-com:vml" Requires="v">
-                <p:oleObj spid="_x0000_s4147" name="Visio" r:id="rId5" imgW="6972545" imgH="2505350" progId="Visio.Drawing.11">
+                <p:oleObj spid="_x0000_s4151" name="Visio" r:id="rId5" imgW="6972545" imgH="2505350" progId="Visio.Drawing.11">
                   <p:embed/>
                 </p:oleObj>
               </mc:Choice>
@@ -17405,7 +17405,7 @@
           <a:graphicData uri="http://schemas.openxmlformats.org/presentationml/2006/ole">
             <mc:AlternateContent xmlns:mc="http://schemas.openxmlformats.org/markup-compatibility/2006">
               <mc:Choice xmlns:v="urn:schemas-microsoft-com:vml" Requires="v">
-                <p:oleObj spid="_x0000_s5170" name="Visio" r:id="rId3" imgW="3857869" imgH="1361980" progId="Visio.Drawing.11">
+                <p:oleObj spid="_x0000_s5174" name="Visio" r:id="rId3" imgW="3857869" imgH="1361980" progId="Visio.Drawing.11">
                   <p:embed/>
                 </p:oleObj>
               </mc:Choice>
@@ -17482,7 +17482,7 @@
           <a:graphicData uri="http://schemas.openxmlformats.org/presentationml/2006/ole">
             <mc:AlternateContent xmlns:mc="http://schemas.openxmlformats.org/markup-compatibility/2006">
               <mc:Choice xmlns:v="urn:schemas-microsoft-com:vml" Requires="v">
-                <p:oleObj spid="_x0000_s5171" name="Visio" r:id="rId5" imgW="3831541" imgH="1564805" progId="Visio.Drawing.11">
+                <p:oleObj spid="_x0000_s5175" name="Visio" r:id="rId5" imgW="3831541" imgH="1564805" progId="Visio.Drawing.11">
                   <p:embed/>
                 </p:oleObj>
               </mc:Choice>
@@ -17680,7 +17680,7 @@
           <a:graphicData uri="http://schemas.openxmlformats.org/presentationml/2006/ole">
             <mc:AlternateContent xmlns:mc="http://schemas.openxmlformats.org/markup-compatibility/2006">
               <mc:Choice xmlns:v="urn:schemas-microsoft-com:vml" Requires="v">
-                <p:oleObj spid="_x0000_s6242" name="Visio" r:id="rId3" imgW="3046553" imgH="1232247" progId="Visio.Drawing.11">
+                <p:oleObj spid="_x0000_s6250" name="Visio" r:id="rId3" imgW="3046553" imgH="1232247" progId="Visio.Drawing.11">
                   <p:embed/>
                 </p:oleObj>
               </mc:Choice>
@@ -17763,7 +17763,7 @@
           <a:graphicData uri="http://schemas.openxmlformats.org/presentationml/2006/ole">
             <mc:AlternateContent xmlns:mc="http://schemas.openxmlformats.org/markup-compatibility/2006">
               <mc:Choice xmlns:v="urn:schemas-microsoft-com:vml" Requires="v">
-                <p:oleObj spid="_x0000_s6243" name="Visio" r:id="rId5" imgW="3046553" imgH="2074709" progId="Visio.Drawing.11">
+                <p:oleObj spid="_x0000_s6251" name="Visio" r:id="rId5" imgW="3046553" imgH="2074709" progId="Visio.Drawing.11">
                   <p:embed/>
                 </p:oleObj>
               </mc:Choice>
@@ -17846,7 +17846,7 @@
           <a:graphicData uri="http://schemas.openxmlformats.org/presentationml/2006/ole">
             <mc:AlternateContent xmlns:mc="http://schemas.openxmlformats.org/markup-compatibility/2006">
               <mc:Choice xmlns:v="urn:schemas-microsoft-com:vml" Requires="v">
-                <p:oleObj spid="_x0000_s6244" name="Visio" r:id="rId7" imgW="2627335" imgH="2076329" progId="Visio.Drawing.11">
+                <p:oleObj spid="_x0000_s6252" name="Visio" r:id="rId7" imgW="2627335" imgH="2076329" progId="Visio.Drawing.11">
                   <p:embed/>
                 </p:oleObj>
               </mc:Choice>
@@ -17963,7 +17963,7 @@
           <a:graphicData uri="http://schemas.openxmlformats.org/presentationml/2006/ole">
             <mc:AlternateContent xmlns:mc="http://schemas.openxmlformats.org/markup-compatibility/2006">
               <mc:Choice xmlns:v="urn:schemas-microsoft-com:vml" Requires="v">
-                <p:oleObj spid="_x0000_s6245" name="Visio" r:id="rId9" imgW="707515" imgH="749066" progId="Visio.Drawing.11">
+                <p:oleObj spid="_x0000_s6253" name="Visio" r:id="rId9" imgW="707515" imgH="749066" progId="Visio.Drawing.11">
                   <p:embed/>
                 </p:oleObj>
               </mc:Choice>
